--- a/SAC apresentações/SAC - Godot C# Visão Geral e Primeiro Jogo - v0.8.pptx
+++ b/SAC apresentações/SAC - Godot C# Visão Geral e Primeiro Jogo - v0.8.pptx
@@ -5,7 +5,7 @@
     <p:sldMasterId id="2147483660" r:id="rId1"/>
   </p:sldMasterIdLst>
   <p:notesMasterIdLst>
-    <p:notesMasterId r:id="rId58"/>
+    <p:notesMasterId r:id="rId60"/>
   </p:notesMasterIdLst>
   <p:sldIdLst>
     <p:sldId id="256" r:id="rId2"/>
@@ -63,7 +63,9 @@
     <p:sldId id="372" r:id="rId54"/>
     <p:sldId id="373" r:id="rId55"/>
     <p:sldId id="374" r:id="rId56"/>
-    <p:sldId id="323" r:id="rId57"/>
+    <p:sldId id="375" r:id="rId57"/>
+    <p:sldId id="376" r:id="rId58"/>
+    <p:sldId id="323" r:id="rId59"/>
   </p:sldIdLst>
   <p:sldSz cx="12192000" cy="6858000"/>
   <p:notesSz cx="6858000" cy="9144000"/>
@@ -197,12 +199,158 @@
 <p1510:revInfo xmlns:a="http://schemas.openxmlformats.org/drawingml/2006/main" xmlns:r="http://schemas.openxmlformats.org/officeDocument/2006/relationships" xmlns:p1510="http://schemas.microsoft.com/office/powerpoint/2015/10/main">
   <p1510:revLst>
     <p1510:client id="{BC6EFAC1-6C9D-4892-AB18-6997C9C8037A}" v="97" dt="2022-11-24T07:23:54.005"/>
+    <p1510:client id="{DB0528D9-EE6B-431B-836C-44E8BCE068B9}" v="5" dt="2022-11-24T13:41:36.645"/>
   </p1510:revLst>
 </p1510:revInfo>
 </file>
 
 <file path=ppt/changesInfos/changesInfo1.xml><?xml version="1.0" encoding="utf-8"?>
 <pc:chgInfo xmlns:a="http://schemas.openxmlformats.org/drawingml/2006/main" xmlns:r="http://schemas.openxmlformats.org/officeDocument/2006/relationships" xmlns:ac="http://schemas.microsoft.com/office/drawing/2013/main/command" xmlns:pc="http://schemas.microsoft.com/office/powerpoint/2013/main/command">
+  <pc:docChgLst>
+    <pc:chgData name="Thiago Felski Pereira" userId="a76654c4-f605-47da-b4a1-b46273390d5d" providerId="ADAL" clId="{DB0528D9-EE6B-431B-836C-44E8BCE068B9}"/>
+    <pc:docChg chg="undo custSel addSld delSld modSld">
+      <pc:chgData name="Thiago Felski Pereira" userId="a76654c4-f605-47da-b4a1-b46273390d5d" providerId="ADAL" clId="{DB0528D9-EE6B-431B-836C-44E8BCE068B9}" dt="2022-11-24T13:53:43.326" v="1069" actId="20577"/>
+      <pc:docMkLst>
+        <pc:docMk/>
+      </pc:docMkLst>
+      <pc:sldChg chg="modSp mod">
+        <pc:chgData name="Thiago Felski Pereira" userId="a76654c4-f605-47da-b4a1-b46273390d5d" providerId="ADAL" clId="{DB0528D9-EE6B-431B-836C-44E8BCE068B9}" dt="2022-11-24T12:44:40.638" v="463" actId="113"/>
+        <pc:sldMkLst>
+          <pc:docMk/>
+          <pc:sldMk cId="2966943635" sldId="336"/>
+        </pc:sldMkLst>
+        <pc:spChg chg="mod">
+          <ac:chgData name="Thiago Felski Pereira" userId="a76654c4-f605-47da-b4a1-b46273390d5d" providerId="ADAL" clId="{DB0528D9-EE6B-431B-836C-44E8BCE068B9}" dt="2022-11-24T12:44:40.638" v="463" actId="113"/>
+          <ac:spMkLst>
+            <pc:docMk/>
+            <pc:sldMk cId="2966943635" sldId="336"/>
+            <ac:spMk id="12" creationId="{175EE159-79CC-4ED7-B3AA-C7CC3F5835A5}"/>
+          </ac:spMkLst>
+        </pc:spChg>
+      </pc:sldChg>
+      <pc:sldChg chg="modSp mod">
+        <pc:chgData name="Thiago Felski Pereira" userId="a76654c4-f605-47da-b4a1-b46273390d5d" providerId="ADAL" clId="{DB0528D9-EE6B-431B-836C-44E8BCE068B9}" dt="2022-11-24T13:11:35.389" v="589" actId="115"/>
+        <pc:sldMkLst>
+          <pc:docMk/>
+          <pc:sldMk cId="843184311" sldId="346"/>
+        </pc:sldMkLst>
+        <pc:spChg chg="mod">
+          <ac:chgData name="Thiago Felski Pereira" userId="a76654c4-f605-47da-b4a1-b46273390d5d" providerId="ADAL" clId="{DB0528D9-EE6B-431B-836C-44E8BCE068B9}" dt="2022-11-24T13:11:35.389" v="589" actId="115"/>
+          <ac:spMkLst>
+            <pc:docMk/>
+            <pc:sldMk cId="843184311" sldId="346"/>
+            <ac:spMk id="12" creationId="{175EE159-79CC-4ED7-B3AA-C7CC3F5835A5}"/>
+          </ac:spMkLst>
+        </pc:spChg>
+      </pc:sldChg>
+      <pc:sldChg chg="modSp mod">
+        <pc:chgData name="Thiago Felski Pereira" userId="a76654c4-f605-47da-b4a1-b46273390d5d" providerId="ADAL" clId="{DB0528D9-EE6B-431B-836C-44E8BCE068B9}" dt="2022-11-24T13:53:43.326" v="1069" actId="20577"/>
+        <pc:sldMkLst>
+          <pc:docMk/>
+          <pc:sldMk cId="3669443941" sldId="361"/>
+        </pc:sldMkLst>
+        <pc:spChg chg="mod">
+          <ac:chgData name="Thiago Felski Pereira" userId="a76654c4-f605-47da-b4a1-b46273390d5d" providerId="ADAL" clId="{DB0528D9-EE6B-431B-836C-44E8BCE068B9}" dt="2022-11-24T13:53:43.326" v="1069" actId="20577"/>
+          <ac:spMkLst>
+            <pc:docMk/>
+            <pc:sldMk cId="3669443941" sldId="361"/>
+            <ac:spMk id="12" creationId="{175EE159-79CC-4ED7-B3AA-C7CC3F5835A5}"/>
+          </ac:spMkLst>
+        </pc:spChg>
+      </pc:sldChg>
+      <pc:sldChg chg="modSp mod">
+        <pc:chgData name="Thiago Felski Pereira" userId="a76654c4-f605-47da-b4a1-b46273390d5d" providerId="ADAL" clId="{DB0528D9-EE6B-431B-836C-44E8BCE068B9}" dt="2022-11-24T13:52:23.870" v="1061"/>
+        <pc:sldMkLst>
+          <pc:docMk/>
+          <pc:sldMk cId="3423810129" sldId="362"/>
+        </pc:sldMkLst>
+        <pc:spChg chg="mod">
+          <ac:chgData name="Thiago Felski Pereira" userId="a76654c4-f605-47da-b4a1-b46273390d5d" providerId="ADAL" clId="{DB0528D9-EE6B-431B-836C-44E8BCE068B9}" dt="2022-11-24T13:52:23.870" v="1061"/>
+          <ac:spMkLst>
+            <pc:docMk/>
+            <pc:sldMk cId="3423810129" sldId="362"/>
+            <ac:spMk id="12" creationId="{175EE159-79CC-4ED7-B3AA-C7CC3F5835A5}"/>
+          </ac:spMkLst>
+        </pc:spChg>
+      </pc:sldChg>
+      <pc:sldChg chg="delSp modSp add mod">
+        <pc:chgData name="Thiago Felski Pereira" userId="a76654c4-f605-47da-b4a1-b46273390d5d" providerId="ADAL" clId="{DB0528D9-EE6B-431B-836C-44E8BCE068B9}" dt="2022-11-24T12:47:48.889" v="517" actId="20577"/>
+        <pc:sldMkLst>
+          <pc:docMk/>
+          <pc:sldMk cId="1934603657" sldId="375"/>
+        </pc:sldMkLst>
+        <pc:spChg chg="mod">
+          <ac:chgData name="Thiago Felski Pereira" userId="a76654c4-f605-47da-b4a1-b46273390d5d" providerId="ADAL" clId="{DB0528D9-EE6B-431B-836C-44E8BCE068B9}" dt="2022-11-24T12:47:48.889" v="517" actId="20577"/>
+          <ac:spMkLst>
+            <pc:docMk/>
+            <pc:sldMk cId="1934603657" sldId="375"/>
+            <ac:spMk id="12" creationId="{175EE159-79CC-4ED7-B3AA-C7CC3F5835A5}"/>
+          </ac:spMkLst>
+        </pc:spChg>
+        <pc:picChg chg="del">
+          <ac:chgData name="Thiago Felski Pereira" userId="a76654c4-f605-47da-b4a1-b46273390d5d" providerId="ADAL" clId="{DB0528D9-EE6B-431B-836C-44E8BCE068B9}" dt="2022-11-24T12:11:55.939" v="1" actId="478"/>
+          <ac:picMkLst>
+            <pc:docMk/>
+            <pc:sldMk cId="1934603657" sldId="375"/>
+            <ac:picMk id="7" creationId="{49007D2B-6E6B-C15F-4A2A-53725339CCB6}"/>
+          </ac:picMkLst>
+        </pc:picChg>
+      </pc:sldChg>
+      <pc:sldChg chg="addSp modSp add mod">
+        <pc:chgData name="Thiago Felski Pereira" userId="a76654c4-f605-47da-b4a1-b46273390d5d" providerId="ADAL" clId="{DB0528D9-EE6B-431B-836C-44E8BCE068B9}" dt="2022-11-24T13:47:57.523" v="1053" actId="2711"/>
+        <pc:sldMkLst>
+          <pc:docMk/>
+          <pc:sldMk cId="1132599395" sldId="376"/>
+        </pc:sldMkLst>
+        <pc:spChg chg="mod">
+          <ac:chgData name="Thiago Felski Pereira" userId="a76654c4-f605-47da-b4a1-b46273390d5d" providerId="ADAL" clId="{DB0528D9-EE6B-431B-836C-44E8BCE068B9}" dt="2022-11-24T13:47:57.523" v="1053" actId="2711"/>
+          <ac:spMkLst>
+            <pc:docMk/>
+            <pc:sldMk cId="1132599395" sldId="376"/>
+            <ac:spMk id="12" creationId="{175EE159-79CC-4ED7-B3AA-C7CC3F5835A5}"/>
+          </ac:spMkLst>
+        </pc:spChg>
+        <pc:picChg chg="add mod">
+          <ac:chgData name="Thiago Felski Pereira" userId="a76654c4-f605-47da-b4a1-b46273390d5d" providerId="ADAL" clId="{DB0528D9-EE6B-431B-836C-44E8BCE068B9}" dt="2022-11-24T13:44:14.622" v="865" actId="1076"/>
+          <ac:picMkLst>
+            <pc:docMk/>
+            <pc:sldMk cId="1132599395" sldId="376"/>
+            <ac:picMk id="7" creationId="{4ABBFD11-E27C-9970-5276-1D2F04537C0C}"/>
+          </ac:picMkLst>
+        </pc:picChg>
+      </pc:sldChg>
+      <pc:sldChg chg="add del">
+        <pc:chgData name="Thiago Felski Pereira" userId="a76654c4-f605-47da-b4a1-b46273390d5d" providerId="ADAL" clId="{DB0528D9-EE6B-431B-836C-44E8BCE068B9}" dt="2022-11-24T12:48:45.570" v="519"/>
+        <pc:sldMkLst>
+          <pc:docMk/>
+          <pc:sldMk cId="1171629478" sldId="376"/>
+        </pc:sldMkLst>
+      </pc:sldChg>
+      <pc:sldChg chg="delSp modSp add del mod">
+        <pc:chgData name="Thiago Felski Pereira" userId="a76654c4-f605-47da-b4a1-b46273390d5d" providerId="ADAL" clId="{DB0528D9-EE6B-431B-836C-44E8BCE068B9}" dt="2022-11-24T13:48:12.359" v="1054" actId="47"/>
+        <pc:sldMkLst>
+          <pc:docMk/>
+          <pc:sldMk cId="631828557" sldId="377"/>
+        </pc:sldMkLst>
+        <pc:spChg chg="mod">
+          <ac:chgData name="Thiago Felski Pereira" userId="a76654c4-f605-47da-b4a1-b46273390d5d" providerId="ADAL" clId="{DB0528D9-EE6B-431B-836C-44E8BCE068B9}" dt="2022-11-24T13:43:51.006" v="858" actId="20577"/>
+          <ac:spMkLst>
+            <pc:docMk/>
+            <pc:sldMk cId="631828557" sldId="377"/>
+            <ac:spMk id="12" creationId="{175EE159-79CC-4ED7-B3AA-C7CC3F5835A5}"/>
+          </ac:spMkLst>
+        </pc:spChg>
+        <pc:picChg chg="del">
+          <ac:chgData name="Thiago Felski Pereira" userId="a76654c4-f605-47da-b4a1-b46273390d5d" providerId="ADAL" clId="{DB0528D9-EE6B-431B-836C-44E8BCE068B9}" dt="2022-11-24T13:41:42.586" v="765" actId="478"/>
+          <ac:picMkLst>
+            <pc:docMk/>
+            <pc:sldMk cId="631828557" sldId="377"/>
+            <ac:picMk id="7" creationId="{4ABBFD11-E27C-9970-5276-1D2F04537C0C}"/>
+          </ac:picMkLst>
+        </pc:picChg>
+      </pc:sldChg>
+    </pc:docChg>
+  </pc:docChgLst>
   <pc:docChgLst>
     <pc:chgData name="Thiago Felski Pereira" userId="a76654c4-f605-47da-b4a1-b46273390d5d" providerId="ADAL" clId="{17E030B4-8479-45D7-A55A-C2B059DC2768}"/>
     <pc:docChg chg="modSld">
@@ -21964,7 +22112,11 @@
             <a:pPr algn="just"/>
             <a:r>
               <a:rPr lang="pt-BR" dirty="0"/>
-              <a:t>Vamos criar um script C# para nosso Player</a:t>
+              <a:t>Vamos criar um script C# para nosso </a:t>
+            </a:r>
+            <a:r>
+              <a:rPr lang="pt-BR" b="1" dirty="0"/>
+              <a:t>Player</a:t>
             </a:r>
           </a:p>
           <a:p>
@@ -21997,10 +22149,6 @@
           </a:p>
           <a:p>
             <a:pPr algn="just"/>
-            <a:r>
-              <a:rPr lang="pt-BR" dirty="0" err="1"/>
-              <a:t>sg</a:t>
-            </a:r>
             <a:endParaRPr lang="pt-BR" dirty="0"/>
           </a:p>
           <a:p>
@@ -25400,7 +25548,21 @@
                 <a:latin typeface="Courier New" panose="02070309020205020404" pitchFamily="49" charset="0"/>
                 <a:cs typeface="Courier New" panose="02070309020205020404" pitchFamily="49" charset="0"/>
               </a:rPr>
-              <a:t>[Sinal] </a:t>
+              <a:t>[</a:t>
+            </a:r>
+            <a:r>
+              <a:rPr lang="pt-BR" dirty="0" err="1">
+                <a:latin typeface="Courier New" panose="02070309020205020404" pitchFamily="49" charset="0"/>
+                <a:cs typeface="Courier New" panose="02070309020205020404" pitchFamily="49" charset="0"/>
+              </a:rPr>
+              <a:t>Signal</a:t>
+            </a:r>
+            <a:r>
+              <a:rPr lang="pt-BR" dirty="0">
+                <a:latin typeface="Courier New" panose="02070309020205020404" pitchFamily="49" charset="0"/>
+                <a:cs typeface="Courier New" panose="02070309020205020404" pitchFamily="49" charset="0"/>
+              </a:rPr>
+              <a:t>] </a:t>
             </a:r>
             <a:r>
               <a:rPr lang="pt-BR" dirty="0" err="1">
@@ -32113,9 +32275,10 @@
               <a:t> no </a:t>
             </a:r>
             <a:r>
-              <a:rPr lang="pt-BR" b="1" dirty="0"/>
-              <a:t>Player</a:t>
-            </a:r>
+              <a:rPr lang="pt-BR" b="1" dirty="0" err="1"/>
+              <a:t>Main</a:t>
+            </a:r>
+            <a:endParaRPr lang="pt-BR" b="1" dirty="0"/>
           </a:p>
           <a:p>
             <a:pPr lvl="1" algn="just"/>
@@ -32213,8 +32376,8 @@
               <a:t>Inclua essa função no </a:t>
             </a:r>
             <a:r>
-              <a:rPr lang="pt-BR" b="1" dirty="0"/>
-              <a:t>Player</a:t>
+              <a:rPr lang="pt-BR" b="1" dirty="0" err="1"/>
+              <a:t>Main</a:t>
             </a:r>
             <a:r>
               <a:rPr lang="pt-BR" dirty="0"/>
@@ -32559,9 +32722,10 @@
               <a:t> no </a:t>
             </a:r>
             <a:r>
-              <a:rPr lang="pt-BR" b="1" dirty="0"/>
-              <a:t>Player</a:t>
-            </a:r>
+              <a:rPr lang="pt-BR" b="1" dirty="0" err="1"/>
+              <a:t>Main</a:t>
+            </a:r>
+            <a:endParaRPr lang="pt-BR" b="1" dirty="0"/>
           </a:p>
           <a:p>
             <a:pPr lvl="1" algn="just"/>
@@ -32570,8 +32734,8 @@
               <a:t>Ainda no script do </a:t>
             </a:r>
             <a:r>
-              <a:rPr lang="pt-BR" b="1" dirty="0"/>
-              <a:t>Player</a:t>
+              <a:rPr lang="pt-BR" b="1" dirty="0" err="1"/>
+              <a:t>Main</a:t>
             </a:r>
             <a:r>
               <a:rPr lang="pt-BR" dirty="0"/>
@@ -37295,6 +37459,927 @@
             <a:fld id="{965C6C26-6F80-468D-9566-90F3CCA6C4FC}" type="slidenum">
               <a:rPr lang="pt-BR" smtClean="0"/>
               <a:t>56</a:t>
+            </a:fld>
+            <a:endParaRPr lang="pt-BR" dirty="0"/>
+          </a:p>
+        </p:txBody>
+      </p:sp>
+      <p:cxnSp>
+        <p:nvCxnSpPr>
+          <p:cNvPr id="6" name="Conector reto 5">
+            <a:extLst>
+              <a:ext uri="{FF2B5EF4-FFF2-40B4-BE49-F238E27FC236}">
+                <a16:creationId xmlns:a16="http://schemas.microsoft.com/office/drawing/2014/main" id="{CE9274B9-D8F3-452F-A0E0-A43D7369ED62}"/>
+              </a:ext>
+            </a:extLst>
+          </p:cNvPr>
+          <p:cNvCxnSpPr>
+            <a:cxnSpLocks/>
+          </p:cNvCxnSpPr>
+          <p:nvPr/>
+        </p:nvCxnSpPr>
+        <p:spPr>
+          <a:xfrm>
+            <a:off x="767408" y="1268760"/>
+            <a:ext cx="10002192" cy="0"/>
+          </a:xfrm>
+          <a:prstGeom prst="line">
+            <a:avLst/>
+          </a:prstGeom>
+          <a:ln w="38100"/>
+        </p:spPr>
+        <p:style>
+          <a:lnRef idx="1">
+            <a:schemeClr val="accent1"/>
+          </a:lnRef>
+          <a:fillRef idx="0">
+            <a:schemeClr val="accent1"/>
+          </a:fillRef>
+          <a:effectRef idx="0">
+            <a:schemeClr val="accent1"/>
+          </a:effectRef>
+          <a:fontRef idx="minor">
+            <a:schemeClr val="tx1"/>
+          </a:fontRef>
+        </p:style>
+      </p:cxnSp>
+      <p:pic>
+        <p:nvPicPr>
+          <p:cNvPr id="8" name="Imagem 7">
+            <a:extLst>
+              <a:ext uri="{FF2B5EF4-FFF2-40B4-BE49-F238E27FC236}">
+                <a16:creationId xmlns:a16="http://schemas.microsoft.com/office/drawing/2014/main" id="{CC725E14-82AA-4DED-95D2-EF11B3175961}"/>
+              </a:ext>
+            </a:extLst>
+          </p:cNvPr>
+          <p:cNvPicPr>
+            <a:picLocks noChangeAspect="1"/>
+          </p:cNvPicPr>
+          <p:nvPr/>
+        </p:nvPicPr>
+        <p:blipFill>
+          <a:blip r:embed="rId2" cstate="print">
+            <a:extLst>
+              <a:ext uri="{28A0092B-C50C-407E-A947-70E740481C1C}">
+                <a14:useLocalDpi xmlns:a14="http://schemas.microsoft.com/office/drawing/2010/main" val="0"/>
+              </a:ext>
+            </a:extLst>
+          </a:blip>
+          <a:stretch>
+            <a:fillRect/>
+          </a:stretch>
+        </p:blipFill>
+        <p:spPr>
+          <a:xfrm>
+            <a:off x="11375717" y="6269758"/>
+            <a:ext cx="731520" cy="550281"/>
+          </a:xfrm>
+          <a:prstGeom prst="rect">
+            <a:avLst/>
+          </a:prstGeom>
+        </p:spPr>
+      </p:pic>
+      <p:sp>
+        <p:nvSpPr>
+          <p:cNvPr id="3" name="Título 2">
+            <a:extLst>
+              <a:ext uri="{FF2B5EF4-FFF2-40B4-BE49-F238E27FC236}">
+                <a16:creationId xmlns:a16="http://schemas.microsoft.com/office/drawing/2014/main" id="{3363F624-750B-47F5-9904-D91E4B7E0C17}"/>
+              </a:ext>
+            </a:extLst>
+          </p:cNvPr>
+          <p:cNvSpPr>
+            <a:spLocks noGrp="1"/>
+          </p:cNvSpPr>
+          <p:nvPr>
+            <p:ph type="title"/>
+          </p:nvPr>
+        </p:nvSpPr>
+        <p:spPr/>
+        <p:txBody>
+          <a:bodyPr/>
+          <a:lstStyle/>
+          <a:p>
+            <a:r>
+              <a:rPr lang="pt-BR" dirty="0"/>
+              <a:t>Refinando seu jogo</a:t>
+            </a:r>
+          </a:p>
+        </p:txBody>
+      </p:sp>
+      <p:sp>
+        <p:nvSpPr>
+          <p:cNvPr id="12" name="Espaço Reservado para Conteúdo 11">
+            <a:extLst>
+              <a:ext uri="{FF2B5EF4-FFF2-40B4-BE49-F238E27FC236}">
+                <a16:creationId xmlns:a16="http://schemas.microsoft.com/office/drawing/2014/main" id="{175EE159-79CC-4ED7-B3AA-C7CC3F5835A5}"/>
+              </a:ext>
+            </a:extLst>
+          </p:cNvPr>
+          <p:cNvSpPr>
+            <a:spLocks noGrp="1"/>
+          </p:cNvSpPr>
+          <p:nvPr>
+            <p:ph idx="1"/>
+          </p:nvPr>
+        </p:nvSpPr>
+        <p:spPr>
+          <a:xfrm>
+            <a:off x="609600" y="1600200"/>
+            <a:ext cx="10160000" cy="4800600"/>
+          </a:xfrm>
+        </p:spPr>
+        <p:txBody>
+          <a:bodyPr>
+            <a:normAutofit/>
+          </a:bodyPr>
+          <a:lstStyle/>
+          <a:p>
+            <a:pPr algn="just"/>
+            <a:r>
+              <a:rPr lang="pt-BR" b="1" dirty="0"/>
+              <a:t>Background</a:t>
+            </a:r>
+          </a:p>
+          <a:p>
+            <a:pPr lvl="1" algn="just"/>
+            <a:r>
+              <a:rPr lang="pt-BR" dirty="0"/>
+              <a:t>Para trocar a cor do fundo de cena precisamos</a:t>
+            </a:r>
+          </a:p>
+          <a:p>
+            <a:pPr lvl="1" algn="just"/>
+            <a:r>
+              <a:rPr lang="pt-BR" dirty="0"/>
+              <a:t>Adicionar um </a:t>
+            </a:r>
+            <a:r>
+              <a:rPr lang="pt-BR" dirty="0">
+                <a:latin typeface="Courier New" panose="02070309020205020404" pitchFamily="49" charset="0"/>
+                <a:cs typeface="Courier New" panose="02070309020205020404" pitchFamily="49" charset="0"/>
+              </a:rPr>
+              <a:t>Nó Filho</a:t>
+            </a:r>
+            <a:r>
+              <a:rPr lang="pt-BR" dirty="0"/>
+              <a:t> ao </a:t>
+            </a:r>
+            <a:r>
+              <a:rPr lang="pt-BR" dirty="0" err="1"/>
+              <a:t>Main</a:t>
+            </a:r>
+            <a:r>
+              <a:rPr lang="pt-BR" dirty="0"/>
+              <a:t> chamado </a:t>
+            </a:r>
+            <a:r>
+              <a:rPr lang="pt-BR" dirty="0" err="1">
+                <a:latin typeface="Courier New" panose="02070309020205020404" pitchFamily="49" charset="0"/>
+                <a:cs typeface="Courier New" panose="02070309020205020404" pitchFamily="49" charset="0"/>
+              </a:rPr>
+              <a:t>ColorRect</a:t>
+            </a:r>
+            <a:endParaRPr lang="pt-BR" dirty="0">
+              <a:latin typeface="Courier New" panose="02070309020205020404" pitchFamily="49" charset="0"/>
+              <a:cs typeface="Courier New" panose="02070309020205020404" pitchFamily="49" charset="0"/>
+            </a:endParaRPr>
+          </a:p>
+          <a:p>
+            <a:pPr lvl="2" algn="just"/>
+            <a:r>
+              <a:rPr lang="pt-BR" dirty="0"/>
+              <a:t>Deixe esse nó logo abaixo do </a:t>
+            </a:r>
+            <a:r>
+              <a:rPr lang="pt-BR" dirty="0" err="1"/>
+              <a:t>Main</a:t>
+            </a:r>
+            <a:r>
+              <a:rPr lang="pt-BR" dirty="0"/>
+              <a:t>, isso vai garantir que ele renderize primeiro, ficando por baixo das outras cenas</a:t>
+            </a:r>
+          </a:p>
+          <a:p>
+            <a:pPr lvl="2" algn="just"/>
+            <a:r>
+              <a:rPr lang="pt-BR" dirty="0"/>
+              <a:t>Para isso, basta clicar e arrastar</a:t>
+            </a:r>
+          </a:p>
+          <a:p>
+            <a:pPr lvl="1" algn="just"/>
+            <a:r>
+              <a:rPr lang="pt-BR" dirty="0"/>
+              <a:t>Se tiver uma imagem para colocar de fundo pode-se utilizar o </a:t>
+            </a:r>
+            <a:r>
+              <a:rPr lang="pt-BR" dirty="0" err="1">
+                <a:latin typeface="Courier New" panose="02070309020205020404" pitchFamily="49" charset="0"/>
+                <a:cs typeface="Courier New" panose="02070309020205020404" pitchFamily="49" charset="0"/>
+              </a:rPr>
+              <a:t>TextureRect</a:t>
+            </a:r>
+            <a:r>
+              <a:rPr lang="pt-BR" dirty="0"/>
+              <a:t> ao invés do </a:t>
+            </a:r>
+            <a:r>
+              <a:rPr lang="pt-BR" dirty="0" err="1">
+                <a:latin typeface="Courier New" panose="02070309020205020404" pitchFamily="49" charset="0"/>
+                <a:cs typeface="Courier New" panose="02070309020205020404" pitchFamily="49" charset="0"/>
+              </a:rPr>
+              <a:t>ColorRect</a:t>
+            </a:r>
+            <a:endParaRPr lang="pt-BR" dirty="0">
+              <a:latin typeface="Courier New" panose="02070309020205020404" pitchFamily="49" charset="0"/>
+              <a:cs typeface="Courier New" panose="02070309020205020404" pitchFamily="49" charset="0"/>
+            </a:endParaRPr>
+          </a:p>
+          <a:p>
+            <a:pPr lvl="2" algn="just"/>
+            <a:r>
+              <a:rPr lang="pt-BR" dirty="0">
+                <a:cs typeface="Courier New" panose="02070309020205020404" pitchFamily="49" charset="0"/>
+              </a:rPr>
+              <a:t>Lembre que nosso cenário tem dimensões de </a:t>
+            </a:r>
+            <a:r>
+              <a:rPr lang="pt-BR" dirty="0">
+                <a:latin typeface="Courier New" panose="02070309020205020404" pitchFamily="49" charset="0"/>
+                <a:cs typeface="Courier New" panose="02070309020205020404" pitchFamily="49" charset="0"/>
+              </a:rPr>
+              <a:t>(480,720)</a:t>
+            </a:r>
+          </a:p>
+        </p:txBody>
+      </p:sp>
+      <p:pic>
+        <p:nvPicPr>
+          <p:cNvPr id="2" name="Imagem 1">
+            <a:extLst>
+              <a:ext uri="{FF2B5EF4-FFF2-40B4-BE49-F238E27FC236}">
+                <a16:creationId xmlns:a16="http://schemas.microsoft.com/office/drawing/2014/main" id="{812D9861-F344-F266-CC6E-975E457AACED}"/>
+              </a:ext>
+            </a:extLst>
+          </p:cNvPr>
+          <p:cNvPicPr>
+            <a:picLocks noChangeAspect="1"/>
+          </p:cNvPicPr>
+          <p:nvPr/>
+        </p:nvPicPr>
+        <p:blipFill>
+          <a:blip r:embed="rId3"/>
+          <a:stretch>
+            <a:fillRect/>
+          </a:stretch>
+        </p:blipFill>
+        <p:spPr>
+          <a:xfrm>
+            <a:off x="11229401" y="4653136"/>
+            <a:ext cx="962599" cy="883545"/>
+          </a:xfrm>
+          <a:prstGeom prst="rect">
+            <a:avLst/>
+          </a:prstGeom>
+        </p:spPr>
+      </p:pic>
+    </p:spTree>
+    <p:extLst>
+      <p:ext uri="{BB962C8B-B14F-4D97-AF65-F5344CB8AC3E}">
+        <p14:creationId xmlns:p14="http://schemas.microsoft.com/office/powerpoint/2010/main" val="1934603657"/>
+      </p:ext>
+    </p:extLst>
+  </p:cSld>
+  <p:clrMapOvr>
+    <a:masterClrMapping/>
+  </p:clrMapOvr>
+</p:sld>
+</file>
+
+<file path=ppt/slides/slide57.xml><?xml version="1.0" encoding="utf-8"?>
+<p:sld xmlns:a="http://schemas.openxmlformats.org/drawingml/2006/main" xmlns:r="http://schemas.openxmlformats.org/officeDocument/2006/relationships" xmlns:p="http://schemas.openxmlformats.org/presentationml/2006/main">
+  <p:cSld>
+    <p:spTree>
+      <p:nvGrpSpPr>
+        <p:cNvPr id="1" name=""/>
+        <p:cNvGrpSpPr/>
+        <p:nvPr/>
+      </p:nvGrpSpPr>
+      <p:grpSpPr>
+        <a:xfrm>
+          <a:off x="0" y="0"/>
+          <a:ext cx="0" cy="0"/>
+          <a:chOff x="0" y="0"/>
+          <a:chExt cx="0" cy="0"/>
+        </a:xfrm>
+      </p:grpSpPr>
+      <p:sp>
+        <p:nvSpPr>
+          <p:cNvPr id="5" name="Espaço Reservado para Número de Slide 3">
+            <a:extLst>
+              <a:ext uri="{FF2B5EF4-FFF2-40B4-BE49-F238E27FC236}">
+                <a16:creationId xmlns:a16="http://schemas.microsoft.com/office/drawing/2014/main" id="{763C458C-A6A5-4763-BBF8-1EC301EF3BE0}"/>
+              </a:ext>
+            </a:extLst>
+          </p:cNvPr>
+          <p:cNvSpPr>
+            <a:spLocks noGrp="1"/>
+          </p:cNvSpPr>
+          <p:nvPr>
+            <p:ph type="sldNum" sz="quarter" idx="12"/>
+          </p:nvPr>
+        </p:nvSpPr>
+        <p:spPr>
+          <a:xfrm>
+            <a:off x="11375717" y="5648960"/>
+            <a:ext cx="731520" cy="396240"/>
+          </a:xfrm>
+        </p:spPr>
+        <p:txBody>
+          <a:bodyPr/>
+          <a:lstStyle/>
+          <a:p>
+            <a:fld id="{965C6C26-6F80-468D-9566-90F3CCA6C4FC}" type="slidenum">
+              <a:rPr lang="pt-BR" smtClean="0"/>
+              <a:t>57</a:t>
+            </a:fld>
+            <a:endParaRPr lang="pt-BR" dirty="0"/>
+          </a:p>
+        </p:txBody>
+      </p:sp>
+      <p:cxnSp>
+        <p:nvCxnSpPr>
+          <p:cNvPr id="6" name="Conector reto 5">
+            <a:extLst>
+              <a:ext uri="{FF2B5EF4-FFF2-40B4-BE49-F238E27FC236}">
+                <a16:creationId xmlns:a16="http://schemas.microsoft.com/office/drawing/2014/main" id="{CE9274B9-D8F3-452F-A0E0-A43D7369ED62}"/>
+              </a:ext>
+            </a:extLst>
+          </p:cNvPr>
+          <p:cNvCxnSpPr>
+            <a:cxnSpLocks/>
+          </p:cNvCxnSpPr>
+          <p:nvPr/>
+        </p:nvCxnSpPr>
+        <p:spPr>
+          <a:xfrm>
+            <a:off x="767408" y="1268760"/>
+            <a:ext cx="10002192" cy="0"/>
+          </a:xfrm>
+          <a:prstGeom prst="line">
+            <a:avLst/>
+          </a:prstGeom>
+          <a:ln w="38100"/>
+        </p:spPr>
+        <p:style>
+          <a:lnRef idx="1">
+            <a:schemeClr val="accent1"/>
+          </a:lnRef>
+          <a:fillRef idx="0">
+            <a:schemeClr val="accent1"/>
+          </a:fillRef>
+          <a:effectRef idx="0">
+            <a:schemeClr val="accent1"/>
+          </a:effectRef>
+          <a:fontRef idx="minor">
+            <a:schemeClr val="tx1"/>
+          </a:fontRef>
+        </p:style>
+      </p:cxnSp>
+      <p:pic>
+        <p:nvPicPr>
+          <p:cNvPr id="8" name="Imagem 7">
+            <a:extLst>
+              <a:ext uri="{FF2B5EF4-FFF2-40B4-BE49-F238E27FC236}">
+                <a16:creationId xmlns:a16="http://schemas.microsoft.com/office/drawing/2014/main" id="{CC725E14-82AA-4DED-95D2-EF11B3175961}"/>
+              </a:ext>
+            </a:extLst>
+          </p:cNvPr>
+          <p:cNvPicPr>
+            <a:picLocks noChangeAspect="1"/>
+          </p:cNvPicPr>
+          <p:nvPr/>
+        </p:nvPicPr>
+        <p:blipFill>
+          <a:blip r:embed="rId2" cstate="print">
+            <a:extLst>
+              <a:ext uri="{28A0092B-C50C-407E-A947-70E740481C1C}">
+                <a14:useLocalDpi xmlns:a14="http://schemas.microsoft.com/office/drawing/2010/main" val="0"/>
+              </a:ext>
+            </a:extLst>
+          </a:blip>
+          <a:stretch>
+            <a:fillRect/>
+          </a:stretch>
+        </p:blipFill>
+        <p:spPr>
+          <a:xfrm>
+            <a:off x="11375717" y="6269758"/>
+            <a:ext cx="731520" cy="550281"/>
+          </a:xfrm>
+          <a:prstGeom prst="rect">
+            <a:avLst/>
+          </a:prstGeom>
+        </p:spPr>
+      </p:pic>
+      <p:sp>
+        <p:nvSpPr>
+          <p:cNvPr id="3" name="Título 2">
+            <a:extLst>
+              <a:ext uri="{FF2B5EF4-FFF2-40B4-BE49-F238E27FC236}">
+                <a16:creationId xmlns:a16="http://schemas.microsoft.com/office/drawing/2014/main" id="{3363F624-750B-47F5-9904-D91E4B7E0C17}"/>
+              </a:ext>
+            </a:extLst>
+          </p:cNvPr>
+          <p:cNvSpPr>
+            <a:spLocks noGrp="1"/>
+          </p:cNvSpPr>
+          <p:nvPr>
+            <p:ph type="title"/>
+          </p:nvPr>
+        </p:nvSpPr>
+        <p:spPr/>
+        <p:txBody>
+          <a:bodyPr/>
+          <a:lstStyle/>
+          <a:p>
+            <a:r>
+              <a:rPr lang="pt-BR" dirty="0"/>
+              <a:t>Refinando seu jogo</a:t>
+            </a:r>
+          </a:p>
+        </p:txBody>
+      </p:sp>
+      <p:sp>
+        <p:nvSpPr>
+          <p:cNvPr id="12" name="Espaço Reservado para Conteúdo 11">
+            <a:extLst>
+              <a:ext uri="{FF2B5EF4-FFF2-40B4-BE49-F238E27FC236}">
+                <a16:creationId xmlns:a16="http://schemas.microsoft.com/office/drawing/2014/main" id="{175EE159-79CC-4ED7-B3AA-C7CC3F5835A5}"/>
+              </a:ext>
+            </a:extLst>
+          </p:cNvPr>
+          <p:cNvSpPr>
+            <a:spLocks noGrp="1"/>
+          </p:cNvSpPr>
+          <p:nvPr>
+            <p:ph idx="1"/>
+          </p:nvPr>
+        </p:nvSpPr>
+        <p:spPr>
+          <a:xfrm>
+            <a:off x="609600" y="1600200"/>
+            <a:ext cx="7430616" cy="4800600"/>
+          </a:xfrm>
+        </p:spPr>
+        <p:txBody>
+          <a:bodyPr>
+            <a:normAutofit/>
+          </a:bodyPr>
+          <a:lstStyle/>
+          <a:p>
+            <a:pPr algn="just"/>
+            <a:r>
+              <a:rPr lang="pt-BR" b="1" dirty="0"/>
+              <a:t>Som</a:t>
+            </a:r>
+          </a:p>
+          <a:p>
+            <a:pPr lvl="1" algn="just"/>
+            <a:r>
+              <a:rPr lang="pt-BR" dirty="0"/>
+              <a:t>Para adicionar sons ao jogo precisaremos de 2x </a:t>
+            </a:r>
+            <a:r>
+              <a:rPr lang="pt-BR" dirty="0" err="1">
+                <a:latin typeface="Courier New" panose="02070309020205020404" pitchFamily="49" charset="0"/>
+                <a:cs typeface="Courier New" panose="02070309020205020404" pitchFamily="49" charset="0"/>
+              </a:rPr>
+              <a:t>AudioStreamPlayer</a:t>
+            </a:r>
+            <a:endParaRPr lang="pt-BR" dirty="0">
+              <a:latin typeface="Courier New" panose="02070309020205020404" pitchFamily="49" charset="0"/>
+              <a:cs typeface="Courier New" panose="02070309020205020404" pitchFamily="49" charset="0"/>
+            </a:endParaRPr>
+          </a:p>
+          <a:p>
+            <a:pPr lvl="1" algn="just"/>
+            <a:r>
+              <a:rPr lang="pt-BR" dirty="0">
+                <a:cs typeface="Courier New" panose="02070309020205020404" pitchFamily="49" charset="0"/>
+              </a:rPr>
+              <a:t>Nomeie eles como: </a:t>
+            </a:r>
+            <a:r>
+              <a:rPr lang="pt-BR" dirty="0">
+                <a:latin typeface="Courier New" panose="02070309020205020404" pitchFamily="49" charset="0"/>
+                <a:cs typeface="Courier New" panose="02070309020205020404" pitchFamily="49" charset="0"/>
+              </a:rPr>
+              <a:t>Music </a:t>
+            </a:r>
+            <a:r>
+              <a:rPr lang="pt-BR" dirty="0">
+                <a:cs typeface="Courier New" panose="02070309020205020404" pitchFamily="49" charset="0"/>
+              </a:rPr>
+              <a:t>e</a:t>
+            </a:r>
+            <a:r>
+              <a:rPr lang="pt-BR" dirty="0">
+                <a:latin typeface="Courier New" panose="02070309020205020404" pitchFamily="49" charset="0"/>
+                <a:cs typeface="Courier New" panose="02070309020205020404" pitchFamily="49" charset="0"/>
+              </a:rPr>
+              <a:t> </a:t>
+            </a:r>
+            <a:r>
+              <a:rPr lang="pt-BR" dirty="0" err="1">
+                <a:latin typeface="Courier New" panose="02070309020205020404" pitchFamily="49" charset="0"/>
+                <a:cs typeface="Courier New" panose="02070309020205020404" pitchFamily="49" charset="0"/>
+              </a:rPr>
+              <a:t>DeathSound</a:t>
+            </a:r>
+            <a:endParaRPr lang="pt-BR" dirty="0">
+              <a:latin typeface="Courier New" panose="02070309020205020404" pitchFamily="49" charset="0"/>
+              <a:cs typeface="Courier New" panose="02070309020205020404" pitchFamily="49" charset="0"/>
+            </a:endParaRPr>
+          </a:p>
+          <a:p>
+            <a:pPr lvl="1" algn="just"/>
+            <a:r>
+              <a:rPr lang="pt-BR" dirty="0">
+                <a:cs typeface="Courier New" panose="02070309020205020404" pitchFamily="49" charset="0"/>
+              </a:rPr>
+              <a:t>Para Music carregue o áudio</a:t>
+            </a:r>
+          </a:p>
+          <a:p>
+            <a:pPr lvl="2" algn="just"/>
+            <a:r>
+              <a:rPr lang="pt-BR" dirty="0" err="1">
+                <a:latin typeface="Courier New" panose="02070309020205020404" pitchFamily="49" charset="0"/>
+                <a:cs typeface="Courier New" panose="02070309020205020404" pitchFamily="49" charset="0"/>
+              </a:rPr>
+              <a:t>House</a:t>
+            </a:r>
+            <a:r>
+              <a:rPr lang="pt-BR" dirty="0">
+                <a:latin typeface="Courier New" panose="02070309020205020404" pitchFamily="49" charset="0"/>
+                <a:cs typeface="Courier New" panose="02070309020205020404" pitchFamily="49" charset="0"/>
+              </a:rPr>
+              <a:t> In A </a:t>
+            </a:r>
+            <a:r>
+              <a:rPr lang="pt-BR" dirty="0" err="1">
+                <a:latin typeface="Courier New" panose="02070309020205020404" pitchFamily="49" charset="0"/>
+                <a:cs typeface="Courier New" panose="02070309020205020404" pitchFamily="49" charset="0"/>
+              </a:rPr>
+              <a:t>Florest</a:t>
+            </a:r>
+            <a:r>
+              <a:rPr lang="pt-BR" dirty="0">
+                <a:latin typeface="Courier New" panose="02070309020205020404" pitchFamily="49" charset="0"/>
+                <a:cs typeface="Courier New" panose="02070309020205020404" pitchFamily="49" charset="0"/>
+              </a:rPr>
+              <a:t> Loop.ogg</a:t>
+            </a:r>
+          </a:p>
+          <a:p>
+            <a:pPr lvl="1" algn="just"/>
+            <a:r>
+              <a:rPr lang="pt-BR" dirty="0">
+                <a:cs typeface="Courier New" panose="02070309020205020404" pitchFamily="49" charset="0"/>
+              </a:rPr>
+              <a:t>Para </a:t>
+            </a:r>
+            <a:r>
+              <a:rPr lang="pt-BR" dirty="0" err="1">
+                <a:cs typeface="Courier New" panose="02070309020205020404" pitchFamily="49" charset="0"/>
+              </a:rPr>
+              <a:t>DeathSound</a:t>
+            </a:r>
+            <a:r>
+              <a:rPr lang="pt-BR" dirty="0">
+                <a:cs typeface="Courier New" panose="02070309020205020404" pitchFamily="49" charset="0"/>
+              </a:rPr>
+              <a:t> carregue o áudio</a:t>
+            </a:r>
+          </a:p>
+          <a:p>
+            <a:pPr lvl="2" algn="just"/>
+            <a:r>
+              <a:rPr lang="pt-BR" dirty="0">
+                <a:latin typeface="Courier New" panose="02070309020205020404" pitchFamily="49" charset="0"/>
+                <a:cs typeface="Courier New" panose="02070309020205020404" pitchFamily="49" charset="0"/>
+              </a:rPr>
+              <a:t>gameover.wav</a:t>
+            </a:r>
+          </a:p>
+          <a:p>
+            <a:pPr lvl="1" algn="just"/>
+            <a:r>
+              <a:rPr lang="pt-BR" dirty="0">
+                <a:cs typeface="Courier New" panose="02070309020205020404" pitchFamily="49" charset="0"/>
+              </a:rPr>
+              <a:t>Coloque o código </a:t>
+            </a:r>
+            <a:r>
+              <a:rPr lang="pt-BR" b="1" dirty="0">
+                <a:cs typeface="Courier New" panose="02070309020205020404" pitchFamily="49" charset="0"/>
+              </a:rPr>
+              <a:t>Play</a:t>
+            </a:r>
+            <a:r>
+              <a:rPr lang="pt-BR" dirty="0">
+                <a:cs typeface="Courier New" panose="02070309020205020404" pitchFamily="49" charset="0"/>
+              </a:rPr>
+              <a:t> na função </a:t>
+            </a:r>
+            <a:r>
+              <a:rPr lang="pt-BR" dirty="0" err="1">
+                <a:latin typeface="Courier New" panose="02070309020205020404" pitchFamily="49" charset="0"/>
+                <a:cs typeface="Courier New" panose="02070309020205020404" pitchFamily="49" charset="0"/>
+              </a:rPr>
+              <a:t>NewGame</a:t>
+            </a:r>
+            <a:r>
+              <a:rPr lang="pt-BR" dirty="0">
+                <a:latin typeface="Courier New" panose="02070309020205020404" pitchFamily="49" charset="0"/>
+                <a:cs typeface="Courier New" panose="02070309020205020404" pitchFamily="49" charset="0"/>
+              </a:rPr>
+              <a:t>()</a:t>
+            </a:r>
+          </a:p>
+          <a:p>
+            <a:pPr lvl="2" algn="just"/>
+            <a:r>
+              <a:rPr lang="pt-BR" dirty="0" err="1">
+                <a:latin typeface="Courier New" panose="02070309020205020404" pitchFamily="49" charset="0"/>
+                <a:cs typeface="Courier New" panose="02070309020205020404" pitchFamily="49" charset="0"/>
+              </a:rPr>
+              <a:t>GetNode</a:t>
+            </a:r>
+            <a:r>
+              <a:rPr lang="pt-BR" dirty="0">
+                <a:latin typeface="Courier New" panose="02070309020205020404" pitchFamily="49" charset="0"/>
+                <a:cs typeface="Courier New" panose="02070309020205020404" pitchFamily="49" charset="0"/>
+              </a:rPr>
+              <a:t>&lt;</a:t>
+            </a:r>
+            <a:r>
+              <a:rPr lang="pt-BR" dirty="0" err="1">
+                <a:latin typeface="Courier New" panose="02070309020205020404" pitchFamily="49" charset="0"/>
+                <a:cs typeface="Courier New" panose="02070309020205020404" pitchFamily="49" charset="0"/>
+              </a:rPr>
+              <a:t>AudioStreamPlayer</a:t>
+            </a:r>
+            <a:r>
+              <a:rPr lang="pt-BR" dirty="0">
+                <a:latin typeface="Courier New" panose="02070309020205020404" pitchFamily="49" charset="0"/>
+                <a:cs typeface="Courier New" panose="02070309020205020404" pitchFamily="49" charset="0"/>
+              </a:rPr>
+              <a:t>&gt;("Music").Play();</a:t>
+            </a:r>
+          </a:p>
+          <a:p>
+            <a:pPr lvl="1" algn="just"/>
+            <a:r>
+              <a:rPr lang="pt-BR" dirty="0">
+                <a:cs typeface="Courier New" panose="02070309020205020404" pitchFamily="49" charset="0"/>
+              </a:rPr>
+              <a:t>Coloque o </a:t>
+            </a:r>
+            <a:r>
+              <a:rPr lang="pt-BR" dirty="0" err="1">
+                <a:cs typeface="Courier New" panose="02070309020205020404" pitchFamily="49" charset="0"/>
+              </a:rPr>
+              <a:t>códigio</a:t>
+            </a:r>
+            <a:r>
+              <a:rPr lang="pt-BR" dirty="0">
+                <a:cs typeface="Courier New" panose="02070309020205020404" pitchFamily="49" charset="0"/>
+              </a:rPr>
+              <a:t> </a:t>
+            </a:r>
+            <a:r>
+              <a:rPr lang="pt-BR" b="1" dirty="0">
+                <a:cs typeface="Courier New" panose="02070309020205020404" pitchFamily="49" charset="0"/>
+              </a:rPr>
+              <a:t>Stop</a:t>
+            </a:r>
+            <a:r>
+              <a:rPr lang="pt-BR" dirty="0">
+                <a:cs typeface="Courier New" panose="02070309020205020404" pitchFamily="49" charset="0"/>
+              </a:rPr>
+              <a:t> na função </a:t>
+            </a:r>
+            <a:r>
+              <a:rPr lang="pt-BR" dirty="0" err="1">
+                <a:latin typeface="Courier New" panose="02070309020205020404" pitchFamily="49" charset="0"/>
+                <a:cs typeface="Courier New" panose="02070309020205020404" pitchFamily="49" charset="0"/>
+              </a:rPr>
+              <a:t>GameOver</a:t>
+            </a:r>
+            <a:r>
+              <a:rPr lang="pt-BR" dirty="0">
+                <a:latin typeface="Courier New" panose="02070309020205020404" pitchFamily="49" charset="0"/>
+                <a:cs typeface="Courier New" panose="02070309020205020404" pitchFamily="49" charset="0"/>
+              </a:rPr>
+              <a:t>()</a:t>
+            </a:r>
+          </a:p>
+          <a:p>
+            <a:pPr lvl="2" algn="just"/>
+            <a:r>
+              <a:rPr lang="pt-BR" dirty="0" err="1">
+                <a:latin typeface="Courier New" panose="02070309020205020404" pitchFamily="49" charset="0"/>
+                <a:cs typeface="Courier New" panose="02070309020205020404" pitchFamily="49" charset="0"/>
+              </a:rPr>
+              <a:t>GetNode</a:t>
+            </a:r>
+            <a:r>
+              <a:rPr lang="pt-BR" dirty="0">
+                <a:latin typeface="Courier New" panose="02070309020205020404" pitchFamily="49" charset="0"/>
+                <a:cs typeface="Courier New" panose="02070309020205020404" pitchFamily="49" charset="0"/>
+              </a:rPr>
+              <a:t>&lt;</a:t>
+            </a:r>
+            <a:r>
+              <a:rPr lang="pt-BR" dirty="0" err="1">
+                <a:latin typeface="Courier New" panose="02070309020205020404" pitchFamily="49" charset="0"/>
+                <a:cs typeface="Courier New" panose="02070309020205020404" pitchFamily="49" charset="0"/>
+              </a:rPr>
+              <a:t>AudioStreamPlayer</a:t>
+            </a:r>
+            <a:r>
+              <a:rPr lang="pt-BR" dirty="0">
+                <a:latin typeface="Courier New" panose="02070309020205020404" pitchFamily="49" charset="0"/>
+                <a:cs typeface="Courier New" panose="02070309020205020404" pitchFamily="49" charset="0"/>
+              </a:rPr>
+              <a:t>&gt;("Music").Stop();</a:t>
+            </a:r>
+          </a:p>
+          <a:p>
+            <a:pPr lvl="1" algn="just"/>
+            <a:r>
+              <a:rPr lang="pt-BR" dirty="0">
+                <a:cs typeface="Courier New" panose="02070309020205020404" pitchFamily="49" charset="0"/>
+              </a:rPr>
+              <a:t>Faça, também, o </a:t>
+            </a:r>
+            <a:r>
+              <a:rPr lang="pt-BR" b="1" dirty="0" err="1">
+                <a:cs typeface="Courier New" panose="02070309020205020404" pitchFamily="49" charset="0"/>
+              </a:rPr>
+              <a:t>DeathSound</a:t>
+            </a:r>
+            <a:r>
+              <a:rPr lang="pt-BR" dirty="0">
+                <a:cs typeface="Courier New" panose="02070309020205020404" pitchFamily="49" charset="0"/>
+              </a:rPr>
+              <a:t> rodar na função </a:t>
+            </a:r>
+            <a:r>
+              <a:rPr lang="pt-BR" dirty="0" err="1">
+                <a:latin typeface="Courier New" panose="02070309020205020404" pitchFamily="49" charset="0"/>
+                <a:cs typeface="Courier New" panose="02070309020205020404" pitchFamily="49" charset="0"/>
+              </a:rPr>
+              <a:t>GameOver</a:t>
+            </a:r>
+            <a:r>
+              <a:rPr lang="pt-BR" dirty="0">
+                <a:latin typeface="Courier New" panose="02070309020205020404" pitchFamily="49" charset="0"/>
+                <a:cs typeface="Courier New" panose="02070309020205020404" pitchFamily="49" charset="0"/>
+              </a:rPr>
+              <a:t>()</a:t>
+            </a:r>
+          </a:p>
+          <a:p>
+            <a:pPr lvl="2" algn="just"/>
+            <a:endParaRPr lang="pt-BR" dirty="0">
+              <a:cs typeface="Courier New" panose="02070309020205020404" pitchFamily="49" charset="0"/>
+            </a:endParaRPr>
+          </a:p>
+        </p:txBody>
+      </p:sp>
+      <p:pic>
+        <p:nvPicPr>
+          <p:cNvPr id="2" name="Imagem 1">
+            <a:extLst>
+              <a:ext uri="{FF2B5EF4-FFF2-40B4-BE49-F238E27FC236}">
+                <a16:creationId xmlns:a16="http://schemas.microsoft.com/office/drawing/2014/main" id="{812D9861-F344-F266-CC6E-975E457AACED}"/>
+              </a:ext>
+            </a:extLst>
+          </p:cNvPr>
+          <p:cNvPicPr>
+            <a:picLocks noChangeAspect="1"/>
+          </p:cNvPicPr>
+          <p:nvPr/>
+        </p:nvPicPr>
+        <p:blipFill>
+          <a:blip r:embed="rId3"/>
+          <a:stretch>
+            <a:fillRect/>
+          </a:stretch>
+        </p:blipFill>
+        <p:spPr>
+          <a:xfrm>
+            <a:off x="11229401" y="4653136"/>
+            <a:ext cx="962599" cy="883545"/>
+          </a:xfrm>
+          <a:prstGeom prst="rect">
+            <a:avLst/>
+          </a:prstGeom>
+        </p:spPr>
+      </p:pic>
+      <p:pic>
+        <p:nvPicPr>
+          <p:cNvPr id="7" name="Imagem 6">
+            <a:extLst>
+              <a:ext uri="{FF2B5EF4-FFF2-40B4-BE49-F238E27FC236}">
+                <a16:creationId xmlns:a16="http://schemas.microsoft.com/office/drawing/2014/main" id="{4ABBFD11-E27C-9970-5276-1D2F04537C0C}"/>
+              </a:ext>
+            </a:extLst>
+          </p:cNvPr>
+          <p:cNvPicPr>
+            <a:picLocks noChangeAspect="1"/>
+          </p:cNvPicPr>
+          <p:nvPr/>
+        </p:nvPicPr>
+        <p:blipFill>
+          <a:blip r:embed="rId4"/>
+          <a:stretch>
+            <a:fillRect/>
+          </a:stretch>
+        </p:blipFill>
+        <p:spPr>
+          <a:xfrm>
+            <a:off x="8828766" y="1747606"/>
+            <a:ext cx="2400635" cy="2905530"/>
+          </a:xfrm>
+          <a:prstGeom prst="rect">
+            <a:avLst/>
+          </a:prstGeom>
+        </p:spPr>
+      </p:pic>
+    </p:spTree>
+    <p:extLst>
+      <p:ext uri="{BB962C8B-B14F-4D97-AF65-F5344CB8AC3E}">
+        <p14:creationId xmlns:p14="http://schemas.microsoft.com/office/powerpoint/2010/main" val="1132599395"/>
+      </p:ext>
+    </p:extLst>
+  </p:cSld>
+  <p:clrMapOvr>
+    <a:masterClrMapping/>
+  </p:clrMapOvr>
+</p:sld>
+</file>
+
+<file path=ppt/slides/slide58.xml><?xml version="1.0" encoding="utf-8"?>
+<p:sld xmlns:a="http://schemas.openxmlformats.org/drawingml/2006/main" xmlns:r="http://schemas.openxmlformats.org/officeDocument/2006/relationships" xmlns:p="http://schemas.openxmlformats.org/presentationml/2006/main">
+  <p:cSld>
+    <p:spTree>
+      <p:nvGrpSpPr>
+        <p:cNvPr id="1" name=""/>
+        <p:cNvGrpSpPr/>
+        <p:nvPr/>
+      </p:nvGrpSpPr>
+      <p:grpSpPr>
+        <a:xfrm>
+          <a:off x="0" y="0"/>
+          <a:ext cx="0" cy="0"/>
+          <a:chOff x="0" y="0"/>
+          <a:chExt cx="0" cy="0"/>
+        </a:xfrm>
+      </p:grpSpPr>
+      <p:sp>
+        <p:nvSpPr>
+          <p:cNvPr id="5" name="Espaço Reservado para Número de Slide 3">
+            <a:extLst>
+              <a:ext uri="{FF2B5EF4-FFF2-40B4-BE49-F238E27FC236}">
+                <a16:creationId xmlns:a16="http://schemas.microsoft.com/office/drawing/2014/main" id="{763C458C-A6A5-4763-BBF8-1EC301EF3BE0}"/>
+              </a:ext>
+            </a:extLst>
+          </p:cNvPr>
+          <p:cNvSpPr>
+            <a:spLocks noGrp="1"/>
+          </p:cNvSpPr>
+          <p:nvPr>
+            <p:ph type="sldNum" sz="quarter" idx="12"/>
+          </p:nvPr>
+        </p:nvSpPr>
+        <p:spPr>
+          <a:xfrm>
+            <a:off x="11375717" y="5648960"/>
+            <a:ext cx="731520" cy="396240"/>
+          </a:xfrm>
+        </p:spPr>
+        <p:txBody>
+          <a:bodyPr/>
+          <a:lstStyle/>
+          <a:p>
+            <a:fld id="{965C6C26-6F80-468D-9566-90F3CCA6C4FC}" type="slidenum">
+              <a:rPr lang="pt-BR" smtClean="0"/>
+              <a:t>58</a:t>
             </a:fld>
             <a:endParaRPr lang="pt-BR" dirty="0"/>
           </a:p>
